--- a/presentations/4_exploratory_data_analysis/Explore_data_TEUI_2_22_2016.pptx
+++ b/presentations/4_exploratory_data_analysis/Explore_data_TEUI_2_22_2016.pptx
@@ -234,7 +234,7 @@
             <a:fld id="{333390A1-EFA7-4975-B307-3ED18211B739}" type="datetimeFigureOut">
               <a:rPr lang="en-US" smtClean="0"/>
               <a:pPr/>
-              <a:t>2/22/2016</a:t>
+              <a:t>3/10/2017</a:t>
             </a:fld>
             <a:endParaRPr lang="en-US"/>
           </a:p>
@@ -693,7 +693,7 @@
             <a:fld id="{1F541AB0-5ECD-4F0C-8435-DFC39302280B}" type="datetimeFigureOut">
               <a:rPr lang="en-US" smtClean="0"/>
               <a:pPr/>
-              <a:t>2/22/2016</a:t>
+              <a:t>3/10/2017</a:t>
             </a:fld>
             <a:endParaRPr lang="en-US"/>
           </a:p>
@@ -865,7 +865,7 @@
             <a:fld id="{1F541AB0-5ECD-4F0C-8435-DFC39302280B}" type="datetimeFigureOut">
               <a:rPr lang="en-US" smtClean="0"/>
               <a:pPr/>
-              <a:t>2/22/2016</a:t>
+              <a:t>3/10/2017</a:t>
             </a:fld>
             <a:endParaRPr lang="en-US"/>
           </a:p>
@@ -1047,7 +1047,7 @@
             <a:fld id="{1F541AB0-5ECD-4F0C-8435-DFC39302280B}" type="datetimeFigureOut">
               <a:rPr lang="en-US" smtClean="0"/>
               <a:pPr/>
-              <a:t>2/22/2016</a:t>
+              <a:t>3/10/2017</a:t>
             </a:fld>
             <a:endParaRPr lang="en-US"/>
           </a:p>
@@ -1219,7 +1219,7 @@
             <a:fld id="{1F541AB0-5ECD-4F0C-8435-DFC39302280B}" type="datetimeFigureOut">
               <a:rPr lang="en-US" smtClean="0"/>
               <a:pPr/>
-              <a:t>2/22/2016</a:t>
+              <a:t>3/10/2017</a:t>
             </a:fld>
             <a:endParaRPr lang="en-US"/>
           </a:p>
@@ -1467,7 +1467,7 @@
             <a:fld id="{1F541AB0-5ECD-4F0C-8435-DFC39302280B}" type="datetimeFigureOut">
               <a:rPr lang="en-US" smtClean="0"/>
               <a:pPr/>
-              <a:t>2/22/2016</a:t>
+              <a:t>3/10/2017</a:t>
             </a:fld>
             <a:endParaRPr lang="en-US"/>
           </a:p>
@@ -1757,7 +1757,7 @@
             <a:fld id="{1F541AB0-5ECD-4F0C-8435-DFC39302280B}" type="datetimeFigureOut">
               <a:rPr lang="en-US" smtClean="0"/>
               <a:pPr/>
-              <a:t>2/22/2016</a:t>
+              <a:t>3/10/2017</a:t>
             </a:fld>
             <a:endParaRPr lang="en-US"/>
           </a:p>
@@ -2181,7 +2181,7 @@
             <a:fld id="{1F541AB0-5ECD-4F0C-8435-DFC39302280B}" type="datetimeFigureOut">
               <a:rPr lang="en-US" smtClean="0"/>
               <a:pPr/>
-              <a:t>2/22/2016</a:t>
+              <a:t>3/10/2017</a:t>
             </a:fld>
             <a:endParaRPr lang="en-US"/>
           </a:p>
@@ -2301,7 +2301,7 @@
             <a:fld id="{1F541AB0-5ECD-4F0C-8435-DFC39302280B}" type="datetimeFigureOut">
               <a:rPr lang="en-US" smtClean="0"/>
               <a:pPr/>
-              <a:t>2/22/2016</a:t>
+              <a:t>3/10/2017</a:t>
             </a:fld>
             <a:endParaRPr lang="en-US"/>
           </a:p>
@@ -2398,7 +2398,7 @@
             <a:fld id="{1F541AB0-5ECD-4F0C-8435-DFC39302280B}" type="datetimeFigureOut">
               <a:rPr lang="en-US" smtClean="0"/>
               <a:pPr/>
-              <a:t>2/22/2016</a:t>
+              <a:t>3/10/2017</a:t>
             </a:fld>
             <a:endParaRPr lang="en-US"/>
           </a:p>
@@ -2677,7 +2677,7 @@
             <a:fld id="{1F541AB0-5ECD-4F0C-8435-DFC39302280B}" type="datetimeFigureOut">
               <a:rPr lang="en-US" smtClean="0"/>
               <a:pPr/>
-              <a:t>2/22/2016</a:t>
+              <a:t>3/10/2017</a:t>
             </a:fld>
             <a:endParaRPr lang="en-US"/>
           </a:p>
@@ -2932,7 +2932,7 @@
             <a:fld id="{1F541AB0-5ECD-4F0C-8435-DFC39302280B}" type="datetimeFigureOut">
               <a:rPr lang="en-US" smtClean="0"/>
               <a:pPr/>
-              <a:t>2/22/2016</a:t>
+              <a:t>3/10/2017</a:t>
             </a:fld>
             <a:endParaRPr lang="en-US"/>
           </a:p>
@@ -3147,7 +3147,7 @@
             <a:fld id="{1F541AB0-5ECD-4F0C-8435-DFC39302280B}" type="datetimeFigureOut">
               <a:rPr lang="en-US" smtClean="0"/>
               <a:pPr/>
-              <a:t>2/22/2016</a:t>
+              <a:t>3/10/2017</a:t>
             </a:fld>
             <a:endParaRPr lang="en-US"/>
           </a:p>
@@ -3703,10 +3703,10 @@
           <p:nvPr/>
         </p:nvPicPr>
         <p:blipFill>
-          <a:blip r:embed="rId2">
+          <a:blip r:embed="rId2" cstate="email">
             <a:extLst>
               <a:ext uri="{28A0092B-C50C-407E-A947-70E740481C1C}">
-                <a14:useLocalDpi xmlns:a14="http://schemas.microsoft.com/office/drawing/2010/main" val="0"/>
+                <a14:useLocalDpi xmlns:a14="http://schemas.microsoft.com/office/drawing/2010/main"/>
               </a:ext>
             </a:extLst>
           </a:blip>
@@ -3757,10 +3757,10 @@
           <p:nvPr/>
         </p:nvPicPr>
         <p:blipFill>
-          <a:blip r:embed="rId3">
+          <a:blip r:embed="rId3" cstate="email">
             <a:extLst>
               <a:ext uri="{28A0092B-C50C-407E-A947-70E740481C1C}">
-                <a14:useLocalDpi xmlns:a14="http://schemas.microsoft.com/office/drawing/2010/main" val="0"/>
+                <a14:useLocalDpi xmlns:a14="http://schemas.microsoft.com/office/drawing/2010/main"/>
               </a:ext>
             </a:extLst>
           </a:blip>
@@ -3874,7 +3874,7 @@
           <a:blip r:embed="rId2">
             <a:extLst>
               <a:ext uri="{28A0092B-C50C-407E-A947-70E740481C1C}">
-                <a14:useLocalDpi xmlns:a14="http://schemas.microsoft.com/office/drawing/2010/main" val="0"/>
+                <a14:useLocalDpi xmlns:a14="http://schemas.microsoft.com/office/drawing/2010/main"/>
               </a:ext>
             </a:extLst>
           </a:blip>
@@ -3990,10 +3990,10 @@
           <p:nvPr/>
         </p:nvPicPr>
         <p:blipFill>
-          <a:blip r:embed="rId2">
+          <a:blip r:embed="rId2" cstate="email">
             <a:extLst>
               <a:ext uri="{28A0092B-C50C-407E-A947-70E740481C1C}">
-                <a14:useLocalDpi xmlns:a14="http://schemas.microsoft.com/office/drawing/2010/main" val="0"/>
+                <a14:useLocalDpi xmlns:a14="http://schemas.microsoft.com/office/drawing/2010/main"/>
               </a:ext>
             </a:extLst>
           </a:blip>
@@ -4104,10 +4104,10 @@
           <p:nvPr/>
         </p:nvPicPr>
         <p:blipFill>
-          <a:blip r:embed="rId2">
+          <a:blip r:embed="rId2" cstate="email">
             <a:extLst>
               <a:ext uri="{28A0092B-C50C-407E-A947-70E740481C1C}">
-                <a14:useLocalDpi xmlns:a14="http://schemas.microsoft.com/office/drawing/2010/main" val="0"/>
+                <a14:useLocalDpi xmlns:a14="http://schemas.microsoft.com/office/drawing/2010/main"/>
               </a:ext>
             </a:extLst>
           </a:blip>
@@ -4223,10 +4223,10 @@
           <p:nvPr/>
         </p:nvPicPr>
         <p:blipFill>
-          <a:blip r:embed="rId2">
+          <a:blip r:embed="rId2" cstate="email">
             <a:extLst>
               <a:ext uri="{28A0092B-C50C-407E-A947-70E740481C1C}">
-                <a14:useLocalDpi xmlns:a14="http://schemas.microsoft.com/office/drawing/2010/main" val="0"/>
+                <a14:useLocalDpi xmlns:a14="http://schemas.microsoft.com/office/drawing/2010/main"/>
               </a:ext>
             </a:extLst>
           </a:blip>
@@ -4340,7 +4340,7 @@
           <a:blip r:embed="rId2">
             <a:extLst>
               <a:ext uri="{28A0092B-C50C-407E-A947-70E740481C1C}">
-                <a14:useLocalDpi xmlns:a14="http://schemas.microsoft.com/office/drawing/2010/main" val="0"/>
+                <a14:useLocalDpi xmlns:a14="http://schemas.microsoft.com/office/drawing/2010/main"/>
               </a:ext>
             </a:extLst>
           </a:blip>
@@ -4461,7 +4461,7 @@
           <a:blip r:embed="rId2">
             <a:extLst>
               <a:ext uri="{28A0092B-C50C-407E-A947-70E740481C1C}">
-                <a14:useLocalDpi xmlns:a14="http://schemas.microsoft.com/office/drawing/2010/main" val="0"/>
+                <a14:useLocalDpi xmlns:a14="http://schemas.microsoft.com/office/drawing/2010/main"/>
               </a:ext>
             </a:extLst>
           </a:blip>
@@ -4575,7 +4575,7 @@
           <a:blip r:embed="rId2">
             <a:extLst>
               <a:ext uri="{28A0092B-C50C-407E-A947-70E740481C1C}">
-                <a14:useLocalDpi xmlns:a14="http://schemas.microsoft.com/office/drawing/2010/main" val="0"/>
+                <a14:useLocalDpi xmlns:a14="http://schemas.microsoft.com/office/drawing/2010/main"/>
               </a:ext>
             </a:extLst>
           </a:blip>
@@ -4689,7 +4689,7 @@
           <a:blip r:embed="rId2">
             <a:extLst>
               <a:ext uri="{28A0092B-C50C-407E-A947-70E740481C1C}">
-                <a14:useLocalDpi xmlns:a14="http://schemas.microsoft.com/office/drawing/2010/main" val="0"/>
+                <a14:useLocalDpi xmlns:a14="http://schemas.microsoft.com/office/drawing/2010/main"/>
               </a:ext>
             </a:extLst>
           </a:blip>
@@ -4803,7 +4803,7 @@
           <a:blip r:embed="rId2">
             <a:extLst>
               <a:ext uri="{28A0092B-C50C-407E-A947-70E740481C1C}">
-                <a14:useLocalDpi xmlns:a14="http://schemas.microsoft.com/office/drawing/2010/main" val="0"/>
+                <a14:useLocalDpi xmlns:a14="http://schemas.microsoft.com/office/drawing/2010/main"/>
               </a:ext>
             </a:extLst>
           </a:blip>
@@ -5054,7 +5054,7 @@
           <a:blip r:embed="rId2">
             <a:extLst>
               <a:ext uri="{28A0092B-C50C-407E-A947-70E740481C1C}">
-                <a14:useLocalDpi xmlns:a14="http://schemas.microsoft.com/office/drawing/2010/main" val="0"/>
+                <a14:useLocalDpi xmlns:a14="http://schemas.microsoft.com/office/drawing/2010/main"/>
               </a:ext>
             </a:extLst>
           </a:blip>
@@ -5166,7 +5166,13 @@
           </p:nvPr>
         </p:nvPicPr>
         <p:blipFill>
-          <a:blip r:embed="rId2"/>
+          <a:blip r:embed="rId2" cstate="email">
+            <a:extLst>
+              <a:ext uri="{28A0092B-C50C-407E-A947-70E740481C1C}">
+                <a14:useLocalDpi xmlns:a14="http://schemas.microsoft.com/office/drawing/2010/main"/>
+              </a:ext>
+            </a:extLst>
+          </a:blip>
           <a:stretch>
             <a:fillRect/>
           </a:stretch>
@@ -5311,7 +5317,7 @@
           <a:blip r:embed="rId2">
             <a:extLst>
               <a:ext uri="{28A0092B-C50C-407E-A947-70E740481C1C}">
-                <a14:useLocalDpi xmlns:a14="http://schemas.microsoft.com/office/drawing/2010/main" val="0"/>
+                <a14:useLocalDpi xmlns:a14="http://schemas.microsoft.com/office/drawing/2010/main"/>
               </a:ext>
             </a:extLst>
           </a:blip>
@@ -5620,7 +5626,13 @@
           <p:nvPr/>
         </p:nvPicPr>
         <p:blipFill>
-          <a:blip r:embed="rId2"/>
+          <a:blip r:embed="rId2" cstate="email">
+            <a:extLst>
+              <a:ext uri="{28A0092B-C50C-407E-A947-70E740481C1C}">
+                <a14:useLocalDpi xmlns:a14="http://schemas.microsoft.com/office/drawing/2010/main"/>
+              </a:ext>
+            </a:extLst>
+          </a:blip>
           <a:stretch>
             <a:fillRect/>
           </a:stretch>
@@ -5644,7 +5656,13 @@
           <p:nvPr/>
         </p:nvPicPr>
         <p:blipFill>
-          <a:blip r:embed="rId3"/>
+          <a:blip r:embed="rId3" cstate="email">
+            <a:extLst>
+              <a:ext uri="{28A0092B-C50C-407E-A947-70E740481C1C}">
+                <a14:useLocalDpi xmlns:a14="http://schemas.microsoft.com/office/drawing/2010/main"/>
+              </a:ext>
+            </a:extLst>
+          </a:blip>
           <a:stretch>
             <a:fillRect/>
           </a:stretch>
@@ -5833,7 +5851,7 @@
           <a:blip r:embed="rId2">
             <a:extLst>
               <a:ext uri="{28A0092B-C50C-407E-A947-70E740481C1C}">
-                <a14:useLocalDpi xmlns:a14="http://schemas.microsoft.com/office/drawing/2010/main" val="0"/>
+                <a14:useLocalDpi xmlns:a14="http://schemas.microsoft.com/office/drawing/2010/main"/>
               </a:ext>
             </a:extLst>
           </a:blip>
@@ -5949,10 +5967,10 @@
           <p:nvPr/>
         </p:nvPicPr>
         <p:blipFill>
-          <a:blip r:embed="rId2">
+          <a:blip r:embed="rId2" cstate="email">
             <a:extLst>
               <a:ext uri="{28A0092B-C50C-407E-A947-70E740481C1C}">
-                <a14:useLocalDpi xmlns:a14="http://schemas.microsoft.com/office/drawing/2010/main" val="0"/>
+                <a14:useLocalDpi xmlns:a14="http://schemas.microsoft.com/office/drawing/2010/main"/>
               </a:ext>
             </a:extLst>
           </a:blip>
@@ -6068,10 +6086,10 @@
           <p:nvPr/>
         </p:nvPicPr>
         <p:blipFill>
-          <a:blip r:embed="rId2">
+          <a:blip r:embed="rId2" cstate="email">
             <a:extLst>
               <a:ext uri="{28A0092B-C50C-407E-A947-70E740481C1C}">
-                <a14:useLocalDpi xmlns:a14="http://schemas.microsoft.com/office/drawing/2010/main" val="0"/>
+                <a14:useLocalDpi xmlns:a14="http://schemas.microsoft.com/office/drawing/2010/main"/>
               </a:ext>
             </a:extLst>
           </a:blip>
@@ -6187,10 +6205,10 @@
           <p:nvPr/>
         </p:nvPicPr>
         <p:blipFill>
-          <a:blip r:embed="rId2">
+          <a:blip r:embed="rId2" cstate="email">
             <a:extLst>
               <a:ext uri="{28A0092B-C50C-407E-A947-70E740481C1C}">
-                <a14:useLocalDpi xmlns:a14="http://schemas.microsoft.com/office/drawing/2010/main" val="0"/>
+                <a14:useLocalDpi xmlns:a14="http://schemas.microsoft.com/office/drawing/2010/main"/>
               </a:ext>
             </a:extLst>
           </a:blip>
@@ -6306,7 +6324,7 @@
           <a:blip r:embed="rId2">
             <a:extLst>
               <a:ext uri="{28A0092B-C50C-407E-A947-70E740481C1C}">
-                <a14:useLocalDpi xmlns:a14="http://schemas.microsoft.com/office/drawing/2010/main" val="0"/>
+                <a14:useLocalDpi xmlns:a14="http://schemas.microsoft.com/office/drawing/2010/main"/>
               </a:ext>
             </a:extLst>
           </a:blip>
@@ -6420,7 +6438,7 @@
           <a:blip r:embed="rId2">
             <a:extLst>
               <a:ext uri="{28A0092B-C50C-407E-A947-70E740481C1C}">
-                <a14:useLocalDpi xmlns:a14="http://schemas.microsoft.com/office/drawing/2010/main" val="0"/>
+                <a14:useLocalDpi xmlns:a14="http://schemas.microsoft.com/office/drawing/2010/main"/>
               </a:ext>
             </a:extLst>
           </a:blip>
